--- a/PPT/8th_class_imge_thresholding_smooth.pptx
+++ b/PPT/8th_class_imge_thresholding_smooth.pptx
@@ -5,33 +5,33 @@
     <p:sldMasterId id="2147483648" r:id="rId1"/>
   </p:sldMasterIdLst>
   <p:sldIdLst>
-    <p:sldId id="256" r:id="rId2"/>
-    <p:sldId id="257" r:id="rId3"/>
-    <p:sldId id="277" r:id="rId4"/>
-    <p:sldId id="299" r:id="rId5"/>
-    <p:sldId id="300" r:id="rId6"/>
-    <p:sldId id="301" r:id="rId7"/>
-    <p:sldId id="302" r:id="rId8"/>
-    <p:sldId id="303" r:id="rId9"/>
-    <p:sldId id="304" r:id="rId10"/>
-    <p:sldId id="306" r:id="rId11"/>
-    <p:sldId id="305" r:id="rId12"/>
-    <p:sldId id="307" r:id="rId13"/>
-    <p:sldId id="308" r:id="rId14"/>
-    <p:sldId id="309" r:id="rId15"/>
-    <p:sldId id="317" r:id="rId16"/>
-    <p:sldId id="310" r:id="rId17"/>
-    <p:sldId id="318" r:id="rId18"/>
-    <p:sldId id="312" r:id="rId19"/>
-    <p:sldId id="313" r:id="rId20"/>
-    <p:sldId id="319" r:id="rId21"/>
-    <p:sldId id="314" r:id="rId22"/>
-    <p:sldId id="320" r:id="rId23"/>
-    <p:sldId id="315" r:id="rId24"/>
-    <p:sldId id="321" r:id="rId25"/>
-    <p:sldId id="316" r:id="rId26"/>
-    <p:sldId id="322" r:id="rId27"/>
-    <p:sldId id="297" r:id="rId28"/>
+    <p:sldId id="256" r:id="rId3"/>
+    <p:sldId id="257" r:id="rId4"/>
+    <p:sldId id="277" r:id="rId5"/>
+    <p:sldId id="299" r:id="rId6"/>
+    <p:sldId id="300" r:id="rId7"/>
+    <p:sldId id="301" r:id="rId8"/>
+    <p:sldId id="302" r:id="rId9"/>
+    <p:sldId id="303" r:id="rId10"/>
+    <p:sldId id="304" r:id="rId11"/>
+    <p:sldId id="306" r:id="rId12"/>
+    <p:sldId id="305" r:id="rId13"/>
+    <p:sldId id="307" r:id="rId14"/>
+    <p:sldId id="308" r:id="rId15"/>
+    <p:sldId id="309" r:id="rId16"/>
+    <p:sldId id="317" r:id="rId17"/>
+    <p:sldId id="310" r:id="rId18"/>
+    <p:sldId id="318" r:id="rId19"/>
+    <p:sldId id="312" r:id="rId20"/>
+    <p:sldId id="313" r:id="rId21"/>
+    <p:sldId id="319" r:id="rId22"/>
+    <p:sldId id="314" r:id="rId23"/>
+    <p:sldId id="320" r:id="rId24"/>
+    <p:sldId id="315" r:id="rId25"/>
+    <p:sldId id="321" r:id="rId26"/>
+    <p:sldId id="316" r:id="rId27"/>
+    <p:sldId id="322" r:id="rId28"/>
+    <p:sldId id="297" r:id="rId29"/>
   </p:sldIdLst>
   <p:sldSz cx="12192000" cy="6858000"/>
   <p:notesSz cx="6858000" cy="9144000"/>
@@ -130,11 +130,6 @@
       </a:defRPr>
     </a:lvl9pPr>
   </p:defaultTextStyle>
-  <p:extLst>
-    <p:ext uri="{EFAFB233-063F-42B5-8137-9DF3F51BA10A}">
-      <p15:sldGuideLst xmlns:p15="http://schemas.microsoft.com/office/powerpoint/2012/main"/>
-    </p:ext>
-  </p:extLst>
 </p:presentation>
 </file>
 
@@ -914,7 +909,7 @@
         </a:p>
       </dgm:t>
     </dgm:pt>
-    <dgm:pt modelId="{94B635CB-ED45-4B22-96E8-2DD6779DFAED}" type="parTrans" cxnId="{ABA8223D-42D8-4F5E-BAFB-89B067C6CF23}">
+    <dgm:pt modelId="{94B635CB-ED45-4B22-96E8-2DD6779DFAED}" cxnId="{ABA8223D-42D8-4F5E-BAFB-89B067C6CF23}" type="parTrans">
       <dgm:prSet/>
       <dgm:spPr/>
       <dgm:t>
@@ -925,7 +920,7 @@
         </a:p>
       </dgm:t>
     </dgm:pt>
-    <dgm:pt modelId="{CC3436F2-8613-4D33-B26C-E5A17A98FC01}" type="sibTrans" cxnId="{ABA8223D-42D8-4F5E-BAFB-89B067C6CF23}">
+    <dgm:pt modelId="{CC3436F2-8613-4D33-B26C-E5A17A98FC01}" cxnId="{ABA8223D-42D8-4F5E-BAFB-89B067C6CF23}" type="sibTrans">
       <dgm:prSet/>
       <dgm:spPr/>
       <dgm:t>
@@ -979,7 +974,7 @@
         </a:p>
       </dgm:t>
     </dgm:pt>
-    <dgm:pt modelId="{44930F56-1720-4BCB-BAB9-BBB405C2956F}" type="parTrans" cxnId="{2383A4C6-BD3F-4FC6-971B-FCE70BCCCDB9}">
+    <dgm:pt modelId="{44930F56-1720-4BCB-BAB9-BBB405C2956F}" cxnId="{2383A4C6-BD3F-4FC6-971B-FCE70BCCCDB9}" type="parTrans">
       <dgm:prSet/>
       <dgm:spPr/>
       <dgm:t>
@@ -990,7 +985,7 @@
         </a:p>
       </dgm:t>
     </dgm:pt>
-    <dgm:pt modelId="{424F8D40-7F96-4C14-9EAE-E1762E5B3FA6}" type="sibTrans" cxnId="{2383A4C6-BD3F-4FC6-971B-FCE70BCCCDB9}">
+    <dgm:pt modelId="{424F8D40-7F96-4C14-9EAE-E1762E5B3FA6}" cxnId="{2383A4C6-BD3F-4FC6-971B-FCE70BCCCDB9}" type="sibTrans">
       <dgm:prSet/>
       <dgm:spPr/>
       <dgm:t>
@@ -1016,7 +1011,7 @@
         </a:p>
       </dgm:t>
     </dgm:pt>
-    <dgm:pt modelId="{557AC9E9-D37B-42C5-8D25-C13615252979}" type="parTrans" cxnId="{F3F62278-50C8-447F-8666-D207EEB7B81C}">
+    <dgm:pt modelId="{557AC9E9-D37B-42C5-8D25-C13615252979}" cxnId="{F3F62278-50C8-447F-8666-D207EEB7B81C}" type="parTrans">
       <dgm:prSet/>
       <dgm:spPr/>
       <dgm:t>
@@ -1027,7 +1022,7 @@
         </a:p>
       </dgm:t>
     </dgm:pt>
-    <dgm:pt modelId="{8D9A7A53-2061-4156-8182-8B6A68A761B7}" type="sibTrans" cxnId="{F3F62278-50C8-447F-8666-D207EEB7B81C}">
+    <dgm:pt modelId="{8D9A7A53-2061-4156-8182-8B6A68A761B7}" cxnId="{F3F62278-50C8-447F-8666-D207EEB7B81C}" type="sibTrans">
       <dgm:prSet/>
       <dgm:spPr/>
       <dgm:t>
@@ -1053,7 +1048,7 @@
         </a:p>
       </dgm:t>
     </dgm:pt>
-    <dgm:pt modelId="{545EF062-269B-4E8C-BDEC-2E8A4D102338}" type="parTrans" cxnId="{08E92DC3-02D3-4FAA-A5C4-4D340B28BBD8}">
+    <dgm:pt modelId="{545EF062-269B-4E8C-BDEC-2E8A4D102338}" cxnId="{08E92DC3-02D3-4FAA-A5C4-4D340B28BBD8}" type="parTrans">
       <dgm:prSet/>
       <dgm:spPr/>
       <dgm:t>
@@ -1064,7 +1059,7 @@
         </a:p>
       </dgm:t>
     </dgm:pt>
-    <dgm:pt modelId="{12273270-525A-4E90-AB44-4A1183DA4F5C}" type="sibTrans" cxnId="{08E92DC3-02D3-4FAA-A5C4-4D340B28BBD8}">
+    <dgm:pt modelId="{12273270-525A-4E90-AB44-4A1183DA4F5C}" cxnId="{08E92DC3-02D3-4FAA-A5C4-4D340B28BBD8}" type="sibTrans">
       <dgm:prSet/>
       <dgm:spPr/>
       <dgm:t>
@@ -1136,11 +1131,6 @@
   </dgm:cxnLst>
   <dgm:bg/>
   <dgm:whole/>
-  <dgm:extLst>
-    <a:ext uri="http://schemas.microsoft.com/office/drawing/2008/diagram">
-      <dsp:dataModelExt xmlns:dsp="http://schemas.microsoft.com/office/drawing/2008/diagram" relId="rId6" minVer="http://schemas.openxmlformats.org/drawingml/2006/diagram"/>
-    </a:ext>
-  </dgm:extLst>
 </dgm:dataModel>
 </file>
 
@@ -1647,7 +1637,6 @@
       <a:camera prst="orthographicFront"/>
       <a:lightRig rig="threePt" dir="t"/>
     </dgm:scene3d>
-    <dgm:sp3d/>
     <dgm:txPr/>
     <dgm:style>
       <a:lnRef idx="2">
@@ -1667,7 +1656,6 @@
       <a:camera prst="orthographicFront"/>
       <a:lightRig rig="threePt" dir="t"/>
     </dgm:scene3d>
-    <dgm:sp3d/>
     <dgm:txPr/>
     <dgm:style>
       <a:lnRef idx="2">
@@ -1687,7 +1675,6 @@
       <a:camera prst="orthographicFront"/>
       <a:lightRig rig="threePt" dir="t"/>
     </dgm:scene3d>
-    <dgm:sp3d/>
     <dgm:txPr/>
     <dgm:style>
       <a:lnRef idx="2">
@@ -1707,7 +1694,6 @@
       <a:camera prst="orthographicFront"/>
       <a:lightRig rig="threePt" dir="t"/>
     </dgm:scene3d>
-    <dgm:sp3d/>
     <dgm:txPr/>
     <dgm:style>
       <a:lnRef idx="2">
@@ -1729,7 +1715,6 @@
       <a:camera prst="orthographicFront"/>
       <a:lightRig rig="threePt" dir="t"/>
     </dgm:scene3d>
-    <dgm:sp3d/>
     <dgm:txPr/>
     <dgm:style>
       <a:lnRef idx="2">
@@ -1751,7 +1736,6 @@
       <a:camera prst="orthographicFront"/>
       <a:lightRig rig="threePt" dir="t"/>
     </dgm:scene3d>
-    <dgm:sp3d/>
     <dgm:txPr/>
     <dgm:style>
       <a:lnRef idx="2">
@@ -1773,7 +1757,6 @@
       <a:camera prst="orthographicFront"/>
       <a:lightRig rig="threePt" dir="t"/>
     </dgm:scene3d>
-    <dgm:sp3d/>
     <dgm:txPr/>
     <dgm:style>
       <a:lnRef idx="2">
@@ -1795,7 +1778,6 @@
       <a:camera prst="orthographicFront"/>
       <a:lightRig rig="threePt" dir="t"/>
     </dgm:scene3d>
-    <dgm:sp3d/>
     <dgm:txPr/>
     <dgm:style>
       <a:lnRef idx="2">
@@ -1817,7 +1799,6 @@
       <a:camera prst="orthographicFront"/>
       <a:lightRig rig="threePt" dir="t"/>
     </dgm:scene3d>
-    <dgm:sp3d/>
     <dgm:txPr/>
     <dgm:style>
       <a:lnRef idx="2">
@@ -1839,7 +1820,6 @@
       <a:camera prst="orthographicFront"/>
       <a:lightRig rig="threePt" dir="t"/>
     </dgm:scene3d>
-    <dgm:sp3d/>
     <dgm:txPr/>
     <dgm:style>
       <a:lnRef idx="2">
@@ -1859,7 +1839,6 @@
       <a:camera prst="orthographicFront"/>
       <a:lightRig rig="threePt" dir="t"/>
     </dgm:scene3d>
-    <dgm:sp3d/>
     <dgm:txPr/>
     <dgm:style>
       <a:lnRef idx="2">
@@ -1879,7 +1858,6 @@
       <a:camera prst="orthographicFront"/>
       <a:lightRig rig="threePt" dir="t"/>
     </dgm:scene3d>
-    <dgm:sp3d/>
     <dgm:txPr/>
     <dgm:style>
       <a:lnRef idx="2">
@@ -1899,7 +1877,6 @@
       <a:camera prst="orthographicFront"/>
       <a:lightRig rig="threePt" dir="t"/>
     </dgm:scene3d>
-    <dgm:sp3d/>
     <dgm:txPr/>
     <dgm:style>
       <a:lnRef idx="0">
@@ -1919,7 +1896,6 @@
       <a:camera prst="orthographicFront"/>
       <a:lightRig rig="threePt" dir="t"/>
     </dgm:scene3d>
-    <dgm:sp3d/>
     <dgm:txPr/>
     <dgm:style>
       <a:lnRef idx="0">
@@ -1941,7 +1917,6 @@
       <a:camera prst="orthographicFront"/>
       <a:lightRig rig="threePt" dir="t"/>
     </dgm:scene3d>
-    <dgm:sp3d/>
     <dgm:txPr/>
     <dgm:style>
       <a:lnRef idx="2">
@@ -1961,7 +1936,6 @@
       <a:camera prst="orthographicFront"/>
       <a:lightRig rig="threePt" dir="t"/>
     </dgm:scene3d>
-    <dgm:sp3d/>
     <dgm:txPr/>
     <dgm:style>
       <a:lnRef idx="2">
@@ -1981,7 +1955,6 @@
       <a:camera prst="orthographicFront"/>
       <a:lightRig rig="threePt" dir="t"/>
     </dgm:scene3d>
-    <dgm:sp3d/>
     <dgm:txPr/>
     <dgm:style>
       <a:lnRef idx="0">
@@ -2001,7 +1974,6 @@
       <a:camera prst="orthographicFront"/>
       <a:lightRig rig="threePt" dir="t"/>
     </dgm:scene3d>
-    <dgm:sp3d/>
     <dgm:txPr/>
     <dgm:style>
       <a:lnRef idx="2">
@@ -2021,7 +1993,6 @@
       <a:camera prst="orthographicFront"/>
       <a:lightRig rig="threePt" dir="t"/>
     </dgm:scene3d>
-    <dgm:sp3d/>
     <dgm:txPr/>
     <dgm:style>
       <a:lnRef idx="2">
@@ -2041,7 +2012,6 @@
       <a:camera prst="orthographicFront"/>
       <a:lightRig rig="threePt" dir="t"/>
     </dgm:scene3d>
-    <dgm:sp3d/>
     <dgm:txPr/>
     <dgm:style>
       <a:lnRef idx="2">
@@ -2061,7 +2031,6 @@
       <a:camera prst="orthographicFront"/>
       <a:lightRig rig="threePt" dir="t"/>
     </dgm:scene3d>
-    <dgm:sp3d/>
     <dgm:txPr/>
     <dgm:style>
       <a:lnRef idx="2">
@@ -2081,7 +2050,6 @@
       <a:camera prst="orthographicFront"/>
       <a:lightRig rig="threePt" dir="t"/>
     </dgm:scene3d>
-    <dgm:sp3d/>
     <dgm:txPr/>
     <dgm:style>
       <a:lnRef idx="2">
@@ -2101,7 +2069,6 @@
       <a:camera prst="orthographicFront"/>
       <a:lightRig rig="threePt" dir="t"/>
     </dgm:scene3d>
-    <dgm:sp3d/>
     <dgm:txPr/>
     <dgm:style>
       <a:lnRef idx="2">
@@ -2121,7 +2088,6 @@
       <a:camera prst="orthographicFront"/>
       <a:lightRig rig="threePt" dir="t"/>
     </dgm:scene3d>
-    <dgm:sp3d/>
     <dgm:txPr/>
     <dgm:style>
       <a:lnRef idx="2">
@@ -2141,7 +2107,6 @@
       <a:camera prst="orthographicFront"/>
       <a:lightRig rig="threePt" dir="t"/>
     </dgm:scene3d>
-    <dgm:sp3d/>
     <dgm:txPr/>
     <dgm:style>
       <a:lnRef idx="2">
@@ -2161,7 +2126,6 @@
       <a:camera prst="orthographicFront"/>
       <a:lightRig rig="threePt" dir="t"/>
     </dgm:scene3d>
-    <dgm:sp3d/>
     <dgm:txPr/>
     <dgm:style>
       <a:lnRef idx="0">
@@ -2183,7 +2147,6 @@
       <a:camera prst="orthographicFront"/>
       <a:lightRig rig="threePt" dir="t"/>
     </dgm:scene3d>
-    <dgm:sp3d/>
     <dgm:txPr/>
     <dgm:style>
       <a:lnRef idx="2">
@@ -2205,7 +2168,6 @@
       <a:camera prst="orthographicFront"/>
       <a:lightRig rig="threePt" dir="t"/>
     </dgm:scene3d>
-    <dgm:sp3d/>
     <dgm:txPr/>
     <dgm:style>
       <a:lnRef idx="2">
@@ -2227,7 +2189,6 @@
       <a:camera prst="orthographicFront"/>
       <a:lightRig rig="threePt" dir="t"/>
     </dgm:scene3d>
-    <dgm:sp3d/>
     <dgm:txPr/>
     <dgm:style>
       <a:lnRef idx="2">
@@ -2249,7 +2210,6 @@
       <a:camera prst="orthographicFront"/>
       <a:lightRig rig="threePt" dir="t"/>
     </dgm:scene3d>
-    <dgm:sp3d/>
     <dgm:txPr/>
     <dgm:style>
       <a:lnRef idx="2">
@@ -2271,7 +2231,6 @@
       <a:camera prst="orthographicFront"/>
       <a:lightRig rig="threePt" dir="t"/>
     </dgm:scene3d>
-    <dgm:sp3d/>
     <dgm:txPr/>
     <dgm:style>
       <a:lnRef idx="2">
@@ -2293,7 +2252,6 @@
       <a:camera prst="orthographicFront"/>
       <a:lightRig rig="threePt" dir="t"/>
     </dgm:scene3d>
-    <dgm:sp3d/>
     <dgm:txPr/>
     <dgm:style>
       <a:lnRef idx="2">
@@ -2315,7 +2273,6 @@
       <a:camera prst="orthographicFront"/>
       <a:lightRig rig="threePt" dir="t"/>
     </dgm:scene3d>
-    <dgm:sp3d/>
     <dgm:txPr/>
     <dgm:style>
       <a:lnRef idx="2">
@@ -2335,7 +2292,6 @@
       <a:camera prst="orthographicFront"/>
       <a:lightRig rig="threePt" dir="t"/>
     </dgm:scene3d>
-    <dgm:sp3d/>
     <dgm:txPr/>
     <dgm:style>
       <a:lnRef idx="2">
@@ -2355,7 +2311,6 @@
       <a:camera prst="orthographicFront"/>
       <a:lightRig rig="threePt" dir="t"/>
     </dgm:scene3d>
-    <dgm:sp3d/>
     <dgm:txPr/>
     <dgm:style>
       <a:lnRef idx="2">
@@ -2375,7 +2330,6 @@
       <a:camera prst="orthographicFront"/>
       <a:lightRig rig="threePt" dir="t"/>
     </dgm:scene3d>
-    <dgm:sp3d/>
     <dgm:txPr/>
     <dgm:style>
       <a:lnRef idx="2">
@@ -2395,7 +2349,6 @@
       <a:camera prst="orthographicFront"/>
       <a:lightRig rig="threePt" dir="t"/>
     </dgm:scene3d>
-    <dgm:sp3d/>
     <dgm:txPr/>
     <dgm:style>
       <a:lnRef idx="2">
@@ -2417,7 +2370,6 @@
       <a:camera prst="orthographicFront"/>
       <a:lightRig rig="threePt" dir="t"/>
     </dgm:scene3d>
-    <dgm:sp3d/>
     <dgm:txPr/>
     <dgm:style>
       <a:lnRef idx="2">
@@ -2439,7 +2391,6 @@
       <a:camera prst="orthographicFront"/>
       <a:lightRig rig="threePt" dir="t"/>
     </dgm:scene3d>
-    <dgm:sp3d/>
     <dgm:txPr/>
     <dgm:style>
       <a:lnRef idx="2">
@@ -2461,7 +2412,6 @@
       <a:camera prst="orthographicFront"/>
       <a:lightRig rig="threePt" dir="t"/>
     </dgm:scene3d>
-    <dgm:sp3d/>
     <dgm:txPr/>
     <dgm:style>
       <a:lnRef idx="2">
@@ -2483,7 +2433,6 @@
       <a:camera prst="orthographicFront"/>
       <a:lightRig rig="threePt" dir="t"/>
     </dgm:scene3d>
-    <dgm:sp3d/>
     <dgm:txPr/>
     <dgm:style>
       <a:lnRef idx="0">
@@ -2503,7 +2452,6 @@
       <a:camera prst="orthographicFront"/>
       <a:lightRig rig="threePt" dir="t"/>
     </dgm:scene3d>
-    <dgm:sp3d/>
     <dgm:txPr/>
     <dgm:style>
       <a:lnRef idx="1">
@@ -2523,7 +2471,6 @@
       <a:camera prst="orthographicFront"/>
       <a:lightRig rig="threePt" dir="t"/>
     </dgm:scene3d>
-    <dgm:sp3d/>
     <dgm:txPr/>
     <dgm:style>
       <a:lnRef idx="0">
@@ -2545,7 +2492,6 @@
       <a:camera prst="orthographicFront"/>
       <a:lightRig rig="threePt" dir="t"/>
     </dgm:scene3d>
-    <dgm:sp3d/>
     <dgm:txPr/>
     <dgm:style>
       <a:lnRef idx="2">
@@ -2565,7 +2511,6 @@
       <a:camera prst="orthographicFront"/>
       <a:lightRig rig="threePt" dir="t"/>
     </dgm:scene3d>
-    <dgm:sp3d/>
     <dgm:txPr/>
     <dgm:style>
       <a:lnRef idx="2">
@@ -2585,7 +2530,6 @@
       <a:camera prst="orthographicFront"/>
       <a:lightRig rig="threePt" dir="t"/>
     </dgm:scene3d>
-    <dgm:sp3d/>
     <dgm:txPr/>
     <dgm:style>
       <a:lnRef idx="2">
@@ -2605,7 +2549,6 @@
       <a:camera prst="orthographicFront"/>
       <a:lightRig rig="threePt" dir="t"/>
     </dgm:scene3d>
-    <dgm:sp3d/>
     <dgm:txPr/>
     <dgm:style>
       <a:lnRef idx="1">
@@ -2625,7 +2568,6 @@
       <a:camera prst="orthographicFront"/>
       <a:lightRig rig="threePt" dir="t"/>
     </dgm:scene3d>
-    <dgm:sp3d/>
     <dgm:txPr/>
     <dgm:style>
       <a:lnRef idx="0">
@@ -2645,7 +2587,6 @@
       <a:camera prst="orthographicFront"/>
       <a:lightRig rig="threePt" dir="t"/>
     </dgm:scene3d>
-    <dgm:sp3d/>
     <dgm:txPr/>
     <dgm:style>
       <a:lnRef idx="2">
@@ -2710,6 +2651,7 @@
               <a:rPr lang="zh-CN" altLang="en-US"/>
               <a:t>单击此处编辑母版标题样式</a:t>
             </a:r>
+            <a:endParaRPr lang="zh-CN" altLang="en-US"/>
           </a:p>
         </p:txBody>
       </p:sp>
@@ -2774,6 +2716,7 @@
               <a:rPr lang="zh-CN" altLang="en-US"/>
               <a:t>单击此处编辑母版副标题样式</a:t>
             </a:r>
+            <a:endParaRPr lang="zh-CN" altLang="en-US"/>
           </a:p>
         </p:txBody>
       </p:sp>
@@ -2794,7 +2737,6 @@
           <a:p>
             <a:fld id="{F49A4012-D87C-494A-B4E1-A14263E09E6D}" type="datetimeFigureOut">
               <a:rPr lang="zh-CN" altLang="en-US" smtClean="0"/>
-              <a:t>2020/10/27</a:t>
             </a:fld>
             <a:endParaRPr lang="zh-CN" altLang="en-US"/>
           </a:p>
@@ -2836,7 +2778,6 @@
           <a:p>
             <a:fld id="{E3881C6A-3E33-47E2-87D6-6B09158F33B1}" type="slidenum">
               <a:rPr lang="zh-CN" altLang="en-US" smtClean="0"/>
-              <a:t>‹#›</a:t>
             </a:fld>
             <a:endParaRPr lang="zh-CN" altLang="en-US"/>
           </a:p>
@@ -2886,6 +2827,7 @@
               <a:rPr lang="zh-CN" altLang="en-US"/>
               <a:t>单击此处编辑母版标题样式</a:t>
             </a:r>
+            <a:endParaRPr lang="zh-CN" altLang="en-US"/>
           </a:p>
         </p:txBody>
       </p:sp>
@@ -2909,6 +2851,7 @@
               <a:rPr lang="zh-CN" altLang="en-US"/>
               <a:t>单击此处编辑母版文本样式</a:t>
             </a:r>
+            <a:endParaRPr lang="zh-CN" altLang="en-US"/>
           </a:p>
           <a:p>
             <a:pPr lvl="1"/>
@@ -2916,6 +2859,7 @@
               <a:rPr lang="zh-CN" altLang="en-US"/>
               <a:t>二级</a:t>
             </a:r>
+            <a:endParaRPr lang="zh-CN" altLang="en-US"/>
           </a:p>
           <a:p>
             <a:pPr lvl="2"/>
@@ -2923,6 +2867,7 @@
               <a:rPr lang="zh-CN" altLang="en-US"/>
               <a:t>三级</a:t>
             </a:r>
+            <a:endParaRPr lang="zh-CN" altLang="en-US"/>
           </a:p>
           <a:p>
             <a:pPr lvl="3"/>
@@ -2930,6 +2875,7 @@
               <a:rPr lang="zh-CN" altLang="en-US"/>
               <a:t>四级</a:t>
             </a:r>
+            <a:endParaRPr lang="zh-CN" altLang="en-US"/>
           </a:p>
           <a:p>
             <a:pPr lvl="4"/>
@@ -2937,6 +2883,7 @@
               <a:rPr lang="zh-CN" altLang="en-US"/>
               <a:t>五级</a:t>
             </a:r>
+            <a:endParaRPr lang="zh-CN" altLang="en-US"/>
           </a:p>
         </p:txBody>
       </p:sp>
@@ -2957,7 +2904,6 @@
           <a:p>
             <a:fld id="{F49A4012-D87C-494A-B4E1-A14263E09E6D}" type="datetimeFigureOut">
               <a:rPr lang="zh-CN" altLang="en-US" smtClean="0"/>
-              <a:t>2020/10/27</a:t>
             </a:fld>
             <a:endParaRPr lang="zh-CN" altLang="en-US"/>
           </a:p>
@@ -2999,7 +2945,6 @@
           <a:p>
             <a:fld id="{E3881C6A-3E33-47E2-87D6-6B09158F33B1}" type="slidenum">
               <a:rPr lang="zh-CN" altLang="en-US" smtClean="0"/>
-              <a:t>‹#›</a:t>
             </a:fld>
             <a:endParaRPr lang="zh-CN" altLang="en-US"/>
           </a:p>
@@ -3054,6 +2999,7 @@
               <a:rPr lang="zh-CN" altLang="en-US"/>
               <a:t>单击此处编辑母版标题样式</a:t>
             </a:r>
+            <a:endParaRPr lang="zh-CN" altLang="en-US"/>
           </a:p>
         </p:txBody>
       </p:sp>
@@ -3082,6 +3028,7 @@
               <a:rPr lang="zh-CN" altLang="en-US"/>
               <a:t>单击此处编辑母版文本样式</a:t>
             </a:r>
+            <a:endParaRPr lang="zh-CN" altLang="en-US"/>
           </a:p>
           <a:p>
             <a:pPr lvl="1"/>
@@ -3089,6 +3036,7 @@
               <a:rPr lang="zh-CN" altLang="en-US"/>
               <a:t>二级</a:t>
             </a:r>
+            <a:endParaRPr lang="zh-CN" altLang="en-US"/>
           </a:p>
           <a:p>
             <a:pPr lvl="2"/>
@@ -3096,6 +3044,7 @@
               <a:rPr lang="zh-CN" altLang="en-US"/>
               <a:t>三级</a:t>
             </a:r>
+            <a:endParaRPr lang="zh-CN" altLang="en-US"/>
           </a:p>
           <a:p>
             <a:pPr lvl="3"/>
@@ -3103,6 +3052,7 @@
               <a:rPr lang="zh-CN" altLang="en-US"/>
               <a:t>四级</a:t>
             </a:r>
+            <a:endParaRPr lang="zh-CN" altLang="en-US"/>
           </a:p>
           <a:p>
             <a:pPr lvl="4"/>
@@ -3110,6 +3060,7 @@
               <a:rPr lang="zh-CN" altLang="en-US"/>
               <a:t>五级</a:t>
             </a:r>
+            <a:endParaRPr lang="zh-CN" altLang="en-US"/>
           </a:p>
         </p:txBody>
       </p:sp>
@@ -3130,7 +3081,6 @@
           <a:p>
             <a:fld id="{F49A4012-D87C-494A-B4E1-A14263E09E6D}" type="datetimeFigureOut">
               <a:rPr lang="zh-CN" altLang="en-US" smtClean="0"/>
-              <a:t>2020/10/27</a:t>
             </a:fld>
             <a:endParaRPr lang="zh-CN" altLang="en-US"/>
           </a:p>
@@ -3172,7 +3122,6 @@
           <a:p>
             <a:fld id="{E3881C6A-3E33-47E2-87D6-6B09158F33B1}" type="slidenum">
               <a:rPr lang="zh-CN" altLang="en-US" smtClean="0"/>
-              <a:t>‹#›</a:t>
             </a:fld>
             <a:endParaRPr lang="zh-CN" altLang="en-US"/>
           </a:p>
@@ -3222,6 +3171,7 @@
               <a:rPr lang="zh-CN" altLang="en-US"/>
               <a:t>单击此处编辑母版标题样式</a:t>
             </a:r>
+            <a:endParaRPr lang="zh-CN" altLang="en-US"/>
           </a:p>
         </p:txBody>
       </p:sp>
@@ -3245,6 +3195,7 @@
               <a:rPr lang="zh-CN" altLang="en-US"/>
               <a:t>单击此处编辑母版文本样式</a:t>
             </a:r>
+            <a:endParaRPr lang="zh-CN" altLang="en-US"/>
           </a:p>
           <a:p>
             <a:pPr lvl="1"/>
@@ -3252,6 +3203,7 @@
               <a:rPr lang="zh-CN" altLang="en-US"/>
               <a:t>二级</a:t>
             </a:r>
+            <a:endParaRPr lang="zh-CN" altLang="en-US"/>
           </a:p>
           <a:p>
             <a:pPr lvl="2"/>
@@ -3259,6 +3211,7 @@
               <a:rPr lang="zh-CN" altLang="en-US"/>
               <a:t>三级</a:t>
             </a:r>
+            <a:endParaRPr lang="zh-CN" altLang="en-US"/>
           </a:p>
           <a:p>
             <a:pPr lvl="3"/>
@@ -3266,6 +3219,7 @@
               <a:rPr lang="zh-CN" altLang="en-US"/>
               <a:t>四级</a:t>
             </a:r>
+            <a:endParaRPr lang="zh-CN" altLang="en-US"/>
           </a:p>
           <a:p>
             <a:pPr lvl="4"/>
@@ -3273,6 +3227,7 @@
               <a:rPr lang="zh-CN" altLang="en-US"/>
               <a:t>五级</a:t>
             </a:r>
+            <a:endParaRPr lang="zh-CN" altLang="en-US"/>
           </a:p>
         </p:txBody>
       </p:sp>
@@ -3293,7 +3248,6 @@
           <a:p>
             <a:fld id="{F49A4012-D87C-494A-B4E1-A14263E09E6D}" type="datetimeFigureOut">
               <a:rPr lang="zh-CN" altLang="en-US" smtClean="0"/>
-              <a:t>2020/10/27</a:t>
             </a:fld>
             <a:endParaRPr lang="zh-CN" altLang="en-US"/>
           </a:p>
@@ -3335,7 +3289,6 @@
           <a:p>
             <a:fld id="{E3881C6A-3E33-47E2-87D6-6B09158F33B1}" type="slidenum">
               <a:rPr lang="zh-CN" altLang="en-US" smtClean="0"/>
-              <a:t>‹#›</a:t>
             </a:fld>
             <a:endParaRPr lang="zh-CN" altLang="en-US"/>
           </a:p>
@@ -3394,6 +3347,7 @@
               <a:rPr lang="zh-CN" altLang="en-US"/>
               <a:t>单击此处编辑母版标题样式</a:t>
             </a:r>
+            <a:endParaRPr lang="zh-CN" altLang="en-US"/>
           </a:p>
         </p:txBody>
       </p:sp>
@@ -3513,6 +3467,7 @@
               <a:rPr lang="zh-CN" altLang="en-US"/>
               <a:t>单击此处编辑母版文本样式</a:t>
             </a:r>
+            <a:endParaRPr lang="zh-CN" altLang="en-US"/>
           </a:p>
         </p:txBody>
       </p:sp>
@@ -3533,7 +3488,6 @@
           <a:p>
             <a:fld id="{F49A4012-D87C-494A-B4E1-A14263E09E6D}" type="datetimeFigureOut">
               <a:rPr lang="zh-CN" altLang="en-US" smtClean="0"/>
-              <a:t>2020/10/27</a:t>
             </a:fld>
             <a:endParaRPr lang="zh-CN" altLang="en-US"/>
           </a:p>
@@ -3575,7 +3529,6 @@
           <a:p>
             <a:fld id="{E3881C6A-3E33-47E2-87D6-6B09158F33B1}" type="slidenum">
               <a:rPr lang="zh-CN" altLang="en-US" smtClean="0"/>
-              <a:t>‹#›</a:t>
             </a:fld>
             <a:endParaRPr lang="zh-CN" altLang="en-US"/>
           </a:p>
@@ -3625,6 +3578,7 @@
               <a:rPr lang="zh-CN" altLang="en-US"/>
               <a:t>单击此处编辑母版标题样式</a:t>
             </a:r>
+            <a:endParaRPr lang="zh-CN" altLang="en-US"/>
           </a:p>
         </p:txBody>
       </p:sp>
@@ -3653,6 +3607,7 @@
               <a:rPr lang="zh-CN" altLang="en-US"/>
               <a:t>单击此处编辑母版文本样式</a:t>
             </a:r>
+            <a:endParaRPr lang="zh-CN" altLang="en-US"/>
           </a:p>
           <a:p>
             <a:pPr lvl="1"/>
@@ -3660,6 +3615,7 @@
               <a:rPr lang="zh-CN" altLang="en-US"/>
               <a:t>二级</a:t>
             </a:r>
+            <a:endParaRPr lang="zh-CN" altLang="en-US"/>
           </a:p>
           <a:p>
             <a:pPr lvl="2"/>
@@ -3667,6 +3623,7 @@
               <a:rPr lang="zh-CN" altLang="en-US"/>
               <a:t>三级</a:t>
             </a:r>
+            <a:endParaRPr lang="zh-CN" altLang="en-US"/>
           </a:p>
           <a:p>
             <a:pPr lvl="3"/>
@@ -3674,6 +3631,7 @@
               <a:rPr lang="zh-CN" altLang="en-US"/>
               <a:t>四级</a:t>
             </a:r>
+            <a:endParaRPr lang="zh-CN" altLang="en-US"/>
           </a:p>
           <a:p>
             <a:pPr lvl="4"/>
@@ -3681,6 +3639,7 @@
               <a:rPr lang="zh-CN" altLang="en-US"/>
               <a:t>五级</a:t>
             </a:r>
+            <a:endParaRPr lang="zh-CN" altLang="en-US"/>
           </a:p>
         </p:txBody>
       </p:sp>
@@ -3709,6 +3668,7 @@
               <a:rPr lang="zh-CN" altLang="en-US"/>
               <a:t>单击此处编辑母版文本样式</a:t>
             </a:r>
+            <a:endParaRPr lang="zh-CN" altLang="en-US"/>
           </a:p>
           <a:p>
             <a:pPr lvl="1"/>
@@ -3716,6 +3676,7 @@
               <a:rPr lang="zh-CN" altLang="en-US"/>
               <a:t>二级</a:t>
             </a:r>
+            <a:endParaRPr lang="zh-CN" altLang="en-US"/>
           </a:p>
           <a:p>
             <a:pPr lvl="2"/>
@@ -3723,6 +3684,7 @@
               <a:rPr lang="zh-CN" altLang="en-US"/>
               <a:t>三级</a:t>
             </a:r>
+            <a:endParaRPr lang="zh-CN" altLang="en-US"/>
           </a:p>
           <a:p>
             <a:pPr lvl="3"/>
@@ -3730,6 +3692,7 @@
               <a:rPr lang="zh-CN" altLang="en-US"/>
               <a:t>四级</a:t>
             </a:r>
+            <a:endParaRPr lang="zh-CN" altLang="en-US"/>
           </a:p>
           <a:p>
             <a:pPr lvl="4"/>
@@ -3737,6 +3700,7 @@
               <a:rPr lang="zh-CN" altLang="en-US"/>
               <a:t>五级</a:t>
             </a:r>
+            <a:endParaRPr lang="zh-CN" altLang="en-US"/>
           </a:p>
         </p:txBody>
       </p:sp>
@@ -3757,7 +3721,6 @@
           <a:p>
             <a:fld id="{F49A4012-D87C-494A-B4E1-A14263E09E6D}" type="datetimeFigureOut">
               <a:rPr lang="zh-CN" altLang="en-US" smtClean="0"/>
-              <a:t>2020/10/27</a:t>
             </a:fld>
             <a:endParaRPr lang="zh-CN" altLang="en-US"/>
           </a:p>
@@ -3799,7 +3762,6 @@
           <a:p>
             <a:fld id="{E3881C6A-3E33-47E2-87D6-6B09158F33B1}" type="slidenum">
               <a:rPr lang="zh-CN" altLang="en-US" smtClean="0"/>
-              <a:t>‹#›</a:t>
             </a:fld>
             <a:endParaRPr lang="zh-CN" altLang="en-US"/>
           </a:p>
@@ -3854,6 +3816,7 @@
               <a:rPr lang="zh-CN" altLang="en-US"/>
               <a:t>单击此处编辑母版标题样式</a:t>
             </a:r>
+            <a:endParaRPr lang="zh-CN" altLang="en-US"/>
           </a:p>
         </p:txBody>
       </p:sp>
@@ -3919,6 +3882,7 @@
               <a:rPr lang="zh-CN" altLang="en-US"/>
               <a:t>单击此处编辑母版文本样式</a:t>
             </a:r>
+            <a:endParaRPr lang="zh-CN" altLang="en-US"/>
           </a:p>
         </p:txBody>
       </p:sp>
@@ -3947,6 +3911,7 @@
               <a:rPr lang="zh-CN" altLang="en-US"/>
               <a:t>单击此处编辑母版文本样式</a:t>
             </a:r>
+            <a:endParaRPr lang="zh-CN" altLang="en-US"/>
           </a:p>
           <a:p>
             <a:pPr lvl="1"/>
@@ -3954,6 +3919,7 @@
               <a:rPr lang="zh-CN" altLang="en-US"/>
               <a:t>二级</a:t>
             </a:r>
+            <a:endParaRPr lang="zh-CN" altLang="en-US"/>
           </a:p>
           <a:p>
             <a:pPr lvl="2"/>
@@ -3961,6 +3927,7 @@
               <a:rPr lang="zh-CN" altLang="en-US"/>
               <a:t>三级</a:t>
             </a:r>
+            <a:endParaRPr lang="zh-CN" altLang="en-US"/>
           </a:p>
           <a:p>
             <a:pPr lvl="3"/>
@@ -3968,6 +3935,7 @@
               <a:rPr lang="zh-CN" altLang="en-US"/>
               <a:t>四级</a:t>
             </a:r>
+            <a:endParaRPr lang="zh-CN" altLang="en-US"/>
           </a:p>
           <a:p>
             <a:pPr lvl="4"/>
@@ -3975,6 +3943,7 @@
               <a:rPr lang="zh-CN" altLang="en-US"/>
               <a:t>五级</a:t>
             </a:r>
+            <a:endParaRPr lang="zh-CN" altLang="en-US"/>
           </a:p>
         </p:txBody>
       </p:sp>
@@ -4040,6 +4009,7 @@
               <a:rPr lang="zh-CN" altLang="en-US"/>
               <a:t>单击此处编辑母版文本样式</a:t>
             </a:r>
+            <a:endParaRPr lang="zh-CN" altLang="en-US"/>
           </a:p>
         </p:txBody>
       </p:sp>
@@ -4068,6 +4038,7 @@
               <a:rPr lang="zh-CN" altLang="en-US"/>
               <a:t>单击此处编辑母版文本样式</a:t>
             </a:r>
+            <a:endParaRPr lang="zh-CN" altLang="en-US"/>
           </a:p>
           <a:p>
             <a:pPr lvl="1"/>
@@ -4075,6 +4046,7 @@
               <a:rPr lang="zh-CN" altLang="en-US"/>
               <a:t>二级</a:t>
             </a:r>
+            <a:endParaRPr lang="zh-CN" altLang="en-US"/>
           </a:p>
           <a:p>
             <a:pPr lvl="2"/>
@@ -4082,6 +4054,7 @@
               <a:rPr lang="zh-CN" altLang="en-US"/>
               <a:t>三级</a:t>
             </a:r>
+            <a:endParaRPr lang="zh-CN" altLang="en-US"/>
           </a:p>
           <a:p>
             <a:pPr lvl="3"/>
@@ -4089,6 +4062,7 @@
               <a:rPr lang="zh-CN" altLang="en-US"/>
               <a:t>四级</a:t>
             </a:r>
+            <a:endParaRPr lang="zh-CN" altLang="en-US"/>
           </a:p>
           <a:p>
             <a:pPr lvl="4"/>
@@ -4096,6 +4070,7 @@
               <a:rPr lang="zh-CN" altLang="en-US"/>
               <a:t>五级</a:t>
             </a:r>
+            <a:endParaRPr lang="zh-CN" altLang="en-US"/>
           </a:p>
         </p:txBody>
       </p:sp>
@@ -4116,7 +4091,6 @@
           <a:p>
             <a:fld id="{F49A4012-D87C-494A-B4E1-A14263E09E6D}" type="datetimeFigureOut">
               <a:rPr lang="zh-CN" altLang="en-US" smtClean="0"/>
-              <a:t>2020/10/27</a:t>
             </a:fld>
             <a:endParaRPr lang="zh-CN" altLang="en-US"/>
           </a:p>
@@ -4158,7 +4132,6 @@
           <a:p>
             <a:fld id="{E3881C6A-3E33-47E2-87D6-6B09158F33B1}" type="slidenum">
               <a:rPr lang="zh-CN" altLang="en-US" smtClean="0"/>
-              <a:t>‹#›</a:t>
             </a:fld>
             <a:endParaRPr lang="zh-CN" altLang="en-US"/>
           </a:p>
@@ -4208,6 +4181,7 @@
               <a:rPr lang="zh-CN" altLang="en-US"/>
               <a:t>单击此处编辑母版标题样式</a:t>
             </a:r>
+            <a:endParaRPr lang="zh-CN" altLang="en-US"/>
           </a:p>
         </p:txBody>
       </p:sp>
@@ -4228,7 +4202,6 @@
           <a:p>
             <a:fld id="{F49A4012-D87C-494A-B4E1-A14263E09E6D}" type="datetimeFigureOut">
               <a:rPr lang="zh-CN" altLang="en-US" smtClean="0"/>
-              <a:t>2020/10/27</a:t>
             </a:fld>
             <a:endParaRPr lang="zh-CN" altLang="en-US"/>
           </a:p>
@@ -4270,7 +4243,6 @@
           <a:p>
             <a:fld id="{E3881C6A-3E33-47E2-87D6-6B09158F33B1}" type="slidenum">
               <a:rPr lang="zh-CN" altLang="en-US" smtClean="0"/>
-              <a:t>‹#›</a:t>
             </a:fld>
             <a:endParaRPr lang="zh-CN" altLang="en-US"/>
           </a:p>
@@ -4318,7 +4290,6 @@
           <a:p>
             <a:fld id="{F49A4012-D87C-494A-B4E1-A14263E09E6D}" type="datetimeFigureOut">
               <a:rPr lang="zh-CN" altLang="en-US" smtClean="0"/>
-              <a:t>2020/10/27</a:t>
             </a:fld>
             <a:endParaRPr lang="zh-CN" altLang="en-US"/>
           </a:p>
@@ -4360,7 +4331,6 @@
           <a:p>
             <a:fld id="{E3881C6A-3E33-47E2-87D6-6B09158F33B1}" type="slidenum">
               <a:rPr lang="zh-CN" altLang="en-US" smtClean="0"/>
-              <a:t>‹#›</a:t>
             </a:fld>
             <a:endParaRPr lang="zh-CN" altLang="en-US"/>
           </a:p>
@@ -4419,6 +4389,7 @@
               <a:rPr lang="zh-CN" altLang="en-US"/>
               <a:t>单击此处编辑母版标题样式</a:t>
             </a:r>
+            <a:endParaRPr lang="zh-CN" altLang="en-US"/>
           </a:p>
         </p:txBody>
       </p:sp>
@@ -4475,6 +4446,7 @@
               <a:rPr lang="zh-CN" altLang="en-US"/>
               <a:t>单击此处编辑母版文本样式</a:t>
             </a:r>
+            <a:endParaRPr lang="zh-CN" altLang="en-US"/>
           </a:p>
           <a:p>
             <a:pPr lvl="1"/>
@@ -4482,6 +4454,7 @@
               <a:rPr lang="zh-CN" altLang="en-US"/>
               <a:t>二级</a:t>
             </a:r>
+            <a:endParaRPr lang="zh-CN" altLang="en-US"/>
           </a:p>
           <a:p>
             <a:pPr lvl="2"/>
@@ -4489,6 +4462,7 @@
               <a:rPr lang="zh-CN" altLang="en-US"/>
               <a:t>三级</a:t>
             </a:r>
+            <a:endParaRPr lang="zh-CN" altLang="en-US"/>
           </a:p>
           <a:p>
             <a:pPr lvl="3"/>
@@ -4496,6 +4470,7 @@
               <a:rPr lang="zh-CN" altLang="en-US"/>
               <a:t>四级</a:t>
             </a:r>
+            <a:endParaRPr lang="zh-CN" altLang="en-US"/>
           </a:p>
           <a:p>
             <a:pPr lvl="4"/>
@@ -4503,6 +4478,7 @@
               <a:rPr lang="zh-CN" altLang="en-US"/>
               <a:t>五级</a:t>
             </a:r>
+            <a:endParaRPr lang="zh-CN" altLang="en-US"/>
           </a:p>
         </p:txBody>
       </p:sp>
@@ -4568,6 +4544,7 @@
               <a:rPr lang="zh-CN" altLang="en-US"/>
               <a:t>单击此处编辑母版文本样式</a:t>
             </a:r>
+            <a:endParaRPr lang="zh-CN" altLang="en-US"/>
           </a:p>
         </p:txBody>
       </p:sp>
@@ -4588,7 +4565,6 @@
           <a:p>
             <a:fld id="{F49A4012-D87C-494A-B4E1-A14263E09E6D}" type="datetimeFigureOut">
               <a:rPr lang="zh-CN" altLang="en-US" smtClean="0"/>
-              <a:t>2020/10/27</a:t>
             </a:fld>
             <a:endParaRPr lang="zh-CN" altLang="en-US"/>
           </a:p>
@@ -4630,7 +4606,6 @@
           <a:p>
             <a:fld id="{E3881C6A-3E33-47E2-87D6-6B09158F33B1}" type="slidenum">
               <a:rPr lang="zh-CN" altLang="en-US" smtClean="0"/>
-              <a:t>‹#›</a:t>
             </a:fld>
             <a:endParaRPr lang="zh-CN" altLang="en-US"/>
           </a:p>
@@ -4689,6 +4664,7 @@
               <a:rPr lang="zh-CN" altLang="en-US"/>
               <a:t>单击此处编辑母版标题样式</a:t>
             </a:r>
+            <a:endParaRPr lang="zh-CN" altLang="en-US"/>
           </a:p>
         </p:txBody>
       </p:sp>
@@ -4815,6 +4791,7 @@
               <a:rPr lang="zh-CN" altLang="en-US"/>
               <a:t>单击此处编辑母版文本样式</a:t>
             </a:r>
+            <a:endParaRPr lang="zh-CN" altLang="en-US"/>
           </a:p>
         </p:txBody>
       </p:sp>
@@ -4835,7 +4812,6 @@
           <a:p>
             <a:fld id="{F49A4012-D87C-494A-B4E1-A14263E09E6D}" type="datetimeFigureOut">
               <a:rPr lang="zh-CN" altLang="en-US" smtClean="0"/>
-              <a:t>2020/10/27</a:t>
             </a:fld>
             <a:endParaRPr lang="zh-CN" altLang="en-US"/>
           </a:p>
@@ -4877,7 +4853,6 @@
           <a:p>
             <a:fld id="{E3881C6A-3E33-47E2-87D6-6B09158F33B1}" type="slidenum">
               <a:rPr lang="zh-CN" altLang="en-US" smtClean="0"/>
-              <a:t>‹#›</a:t>
             </a:fld>
             <a:endParaRPr lang="zh-CN" altLang="en-US"/>
           </a:p>
@@ -4942,6 +4917,7 @@
               <a:rPr lang="zh-CN" altLang="en-US"/>
               <a:t>单击此处编辑母版标题样式</a:t>
             </a:r>
+            <a:endParaRPr lang="zh-CN" altLang="en-US"/>
           </a:p>
         </p:txBody>
       </p:sp>
@@ -4975,6 +4951,7 @@
               <a:rPr lang="zh-CN" altLang="en-US"/>
               <a:t>单击此处编辑母版文本样式</a:t>
             </a:r>
+            <a:endParaRPr lang="zh-CN" altLang="en-US"/>
           </a:p>
           <a:p>
             <a:pPr lvl="1"/>
@@ -4982,6 +4959,7 @@
               <a:rPr lang="zh-CN" altLang="en-US"/>
               <a:t>二级</a:t>
             </a:r>
+            <a:endParaRPr lang="zh-CN" altLang="en-US"/>
           </a:p>
           <a:p>
             <a:pPr lvl="2"/>
@@ -4989,6 +4967,7 @@
               <a:rPr lang="zh-CN" altLang="en-US"/>
               <a:t>三级</a:t>
             </a:r>
+            <a:endParaRPr lang="zh-CN" altLang="en-US"/>
           </a:p>
           <a:p>
             <a:pPr lvl="3"/>
@@ -4996,6 +4975,7 @@
               <a:rPr lang="zh-CN" altLang="en-US"/>
               <a:t>四级</a:t>
             </a:r>
+            <a:endParaRPr lang="zh-CN" altLang="en-US"/>
           </a:p>
           <a:p>
             <a:pPr lvl="4"/>
@@ -5003,6 +4983,7 @@
               <a:rPr lang="zh-CN" altLang="en-US"/>
               <a:t>五级</a:t>
             </a:r>
+            <a:endParaRPr lang="zh-CN" altLang="en-US"/>
           </a:p>
         </p:txBody>
       </p:sp>
@@ -5041,7 +5022,6 @@
           <a:p>
             <a:fld id="{F49A4012-D87C-494A-B4E1-A14263E09E6D}" type="datetimeFigureOut">
               <a:rPr lang="zh-CN" altLang="en-US" smtClean="0"/>
-              <a:t>2020/10/27</a:t>
             </a:fld>
             <a:endParaRPr lang="zh-CN" altLang="en-US"/>
           </a:p>
@@ -5119,7 +5099,6 @@
           <a:p>
             <a:fld id="{E3881C6A-3E33-47E2-87D6-6B09158F33B1}" type="slidenum">
               <a:rPr lang="zh-CN" altLang="en-US" smtClean="0"/>
-              <a:t>‹#›</a:t>
             </a:fld>
             <a:endParaRPr lang="zh-CN" altLang="en-US"/>
           </a:p>
@@ -6166,6 +6145,7 @@
               <a:rPr lang="en-US" altLang="zh-CN" dirty="0"/>
               <a:t>, c)</a:t>
             </a:r>
+            <a:endParaRPr lang="en-US" altLang="zh-CN" dirty="0"/>
           </a:p>
           <a:p>
             <a:r>
@@ -6179,7 +6159,7 @@
                 </a:solidFill>
                 <a:effectLst/>
                 <a:latin typeface="Helvetica" panose="020B0604020202020204" pitchFamily="34" charset="0"/>
-                <a:hlinkClick r:id="rId2"/>
+                <a:hlinkClick r:id="rId1"/>
               </a:rPr>
               <a:t> ADAPTIVE_THRESH_MEAN_C</a:t>
             </a:r>
@@ -6268,7 +6248,7 @@
                 </a:solidFill>
                 <a:effectLst/>
                 <a:latin typeface="Helvetica" panose="020B0604020202020204" pitchFamily="34" charset="0"/>
-                <a:hlinkClick r:id="rId3"/>
+                <a:hlinkClick r:id="rId2"/>
               </a:rPr>
               <a:t>Cv2.ADAPTIVE_THRESH_GAUSSIAN_C</a:t>
             </a:r>
@@ -6459,6 +6439,13 @@
               </a:rPr>
               <a:t>.</a:t>
             </a:r>
+            <a:endParaRPr lang="en-US" altLang="zh-CN" b="0" i="0" dirty="0">
+              <a:solidFill>
+                <a:srgbClr val="000000"/>
+              </a:solidFill>
+              <a:effectLst/>
+              <a:latin typeface="Helvetica" panose="020B0604020202020204" pitchFamily="34" charset="0"/>
+            </a:endParaRPr>
           </a:p>
           <a:p>
             <a:endParaRPr lang="en-US" altLang="zh-CN" dirty="0">
@@ -6612,6 +6599,7 @@
               <a:rPr lang="en-US" altLang="zh-CN" dirty="0"/>
               <a:t>image has two distinct image values, where the histogram has two peaks.</a:t>
             </a:r>
+            <a:endParaRPr lang="en-US" altLang="zh-CN" dirty="0"/>
           </a:p>
           <a:p>
             <a:endParaRPr lang="zh-CN" altLang="en-US" dirty="0"/>
@@ -6627,7 +6615,7 @@
           <p:nvPr/>
         </p:nvPicPr>
         <p:blipFill>
-          <a:blip r:embed="rId2"/>
+          <a:blip r:embed="rId1"/>
           <a:stretch>
             <a:fillRect/>
           </a:stretch>
@@ -6748,7 +6736,7 @@
             <p:nvPr/>
           </p:nvPicPr>
           <p:blipFill>
-            <a:blip r:embed="rId2"/>
+            <a:blip r:embed="rId1"/>
             <a:stretch>
               <a:fillRect/>
             </a:stretch>
@@ -6899,7 +6887,7 @@
           <p:nvPr/>
         </p:nvPicPr>
         <p:blipFill>
-          <a:blip r:embed="rId2"/>
+          <a:blip r:embed="rId1"/>
           <a:stretch>
             <a:fillRect/>
           </a:stretch>
@@ -6995,6 +6983,7 @@
               <a:rPr lang="en-US" altLang="zh-CN" dirty="0"/>
               <a:t>Cv2.threshold()</a:t>
             </a:r>
+            <a:endParaRPr lang="en-US" altLang="zh-CN" dirty="0"/>
           </a:p>
           <a:p>
             <a:r>
@@ -7080,6 +7069,7 @@
               <a:rPr lang="en-US" altLang="zh-CN" dirty="0"/>
               <a:t>Review:</a:t>
             </a:r>
+            <a:endParaRPr lang="en-US" altLang="zh-CN" dirty="0"/>
           </a:p>
           <a:p>
             <a:r>
@@ -7094,12 +7084,14 @@
               <a:rPr lang="en-US" altLang="zh-CN" dirty="0"/>
               <a:t>and transform domain.</a:t>
             </a:r>
+            <a:endParaRPr lang="en-US" altLang="zh-CN" dirty="0"/>
           </a:p>
           <a:p>
             <a:r>
               <a:rPr lang="en-US" altLang="zh-CN" dirty="0"/>
               <a:t>Focus on the spatial domain (cv2.filter2D) </a:t>
             </a:r>
+            <a:endParaRPr lang="en-US" altLang="zh-CN" dirty="0"/>
           </a:p>
           <a:p>
             <a:endParaRPr lang="en-US" altLang="zh-CN" dirty="0"/>
@@ -7173,6 +7165,7 @@
               <a:rPr lang="en-US" altLang="zh-CN" dirty="0"/>
               <a:t>High frequency information may contain noise. If we remove the high frequency information, the noise will be removed and the image will become smooth.</a:t>
             </a:r>
+            <a:endParaRPr lang="en-US" altLang="zh-CN" dirty="0"/>
           </a:p>
         </p:txBody>
       </p:sp>
@@ -7199,7 +7192,7 @@
             <p:nvPr/>
           </p:nvPicPr>
           <p:blipFill>
-            <a:blip r:embed="rId2">
+            <a:blip r:embed="rId1">
               <a:extLst>
                 <a:ext uri="{28A0092B-C50C-407E-A947-70E740481C1C}">
                   <a14:useLocalDpi xmlns:a14="http://schemas.microsoft.com/office/drawing/2010/main" val="0"/>
@@ -7253,7 +7246,7 @@
             <p:nvPr/>
           </p:nvPicPr>
           <p:blipFill>
-            <a:blip r:embed="rId3">
+            <a:blip r:embed="rId2">
               <a:extLst>
                 <a:ext uri="{28A0092B-C50C-407E-A947-70E740481C1C}">
                   <a14:useLocalDpi xmlns:a14="http://schemas.microsoft.com/office/drawing/2010/main" val="0"/>
@@ -7307,7 +7300,7 @@
             <p:nvPr/>
           </p:nvPicPr>
           <p:blipFill>
-            <a:blip r:embed="rId4"/>
+            <a:blip r:embed="rId3"/>
             <a:stretch>
               <a:fillRect/>
             </a:stretch>
@@ -7415,6 +7408,13 @@
               </a:rPr>
               <a:t> is achieved by convolving the image with a low-pass filter kernel. </a:t>
             </a:r>
+            <a:endParaRPr lang="en-US" altLang="zh-CN" b="0" i="0" dirty="0">
+              <a:solidFill>
+                <a:srgbClr val="000000"/>
+              </a:solidFill>
+              <a:effectLst/>
+              <a:latin typeface="Helvetica" panose="020B0604020202020204" pitchFamily="34" charset="0"/>
+            </a:endParaRPr>
           </a:p>
           <a:p>
             <a:r>
@@ -7515,7 +7515,7 @@
           <p:nvPr/>
         </p:nvPicPr>
         <p:blipFill>
-          <a:blip r:embed="rId2"/>
+          <a:blip r:embed="rId1"/>
           <a:stretch>
             <a:fillRect/>
           </a:stretch>
@@ -7539,7 +7539,7 @@
           <p:nvPr/>
         </p:nvPicPr>
         <p:blipFill>
-          <a:blip r:embed="rId3"/>
+          <a:blip r:embed="rId2"/>
           <a:stretch>
             <a:fillRect/>
           </a:stretch>
@@ -7623,6 +7623,7 @@
               <a:rPr lang="en-US" altLang="zh-CN" dirty="0"/>
               <a:t>Image thresholding</a:t>
             </a:r>
+            <a:endParaRPr lang="en-US" altLang="zh-CN" dirty="0"/>
           </a:p>
           <a:p>
             <a:pPr lvl="1"/>
@@ -7630,6 +7631,7 @@
               <a:rPr lang="en-US" altLang="zh-CN" dirty="0"/>
               <a:t>Simple thresholding</a:t>
             </a:r>
+            <a:endParaRPr lang="en-US" altLang="zh-CN" dirty="0"/>
           </a:p>
           <a:p>
             <a:pPr lvl="1"/>
@@ -7637,6 +7639,7 @@
               <a:rPr lang="en-US" altLang="zh-CN" dirty="0"/>
               <a:t>Adaptive Thresholding</a:t>
             </a:r>
+            <a:endParaRPr lang="en-US" altLang="zh-CN" dirty="0"/>
           </a:p>
           <a:p>
             <a:pPr lvl="1"/>
@@ -7644,6 +7647,7 @@
               <a:rPr lang="en-US" altLang="zh-CN" dirty="0"/>
               <a:t>Otsu’s method</a:t>
             </a:r>
+            <a:endParaRPr lang="en-US" altLang="zh-CN" dirty="0"/>
           </a:p>
           <a:p>
             <a:pPr lvl="1"/>
@@ -7654,6 +7658,7 @@
               <a:rPr lang="en-US" altLang="zh-CN" dirty="0"/>
               <a:t>Image smoothing</a:t>
             </a:r>
+            <a:endParaRPr lang="en-US" altLang="zh-CN" dirty="0"/>
           </a:p>
           <a:p>
             <a:pPr lvl="1"/>
@@ -7661,6 +7666,7 @@
               <a:rPr lang="en-US" altLang="zh-CN" dirty="0"/>
               <a:t>Average </a:t>
             </a:r>
+            <a:endParaRPr lang="en-US" altLang="zh-CN" dirty="0"/>
           </a:p>
           <a:p>
             <a:pPr lvl="1"/>
@@ -7668,6 +7674,7 @@
               <a:rPr lang="en-US" altLang="zh-CN" dirty="0"/>
               <a:t>Gaussian</a:t>
             </a:r>
+            <a:endParaRPr lang="en-US" altLang="zh-CN" dirty="0"/>
           </a:p>
           <a:p>
             <a:pPr lvl="1"/>
@@ -7675,6 +7682,7 @@
               <a:rPr lang="en-US" altLang="zh-CN" dirty="0"/>
               <a:t>Media</a:t>
             </a:r>
+            <a:endParaRPr lang="en-US" altLang="zh-CN" dirty="0"/>
           </a:p>
           <a:p>
             <a:pPr lvl="1"/>
@@ -7682,6 +7690,7 @@
               <a:rPr lang="en-US" altLang="zh-CN" dirty="0"/>
               <a:t>bilateral</a:t>
             </a:r>
+            <a:endParaRPr lang="en-US" altLang="zh-CN" dirty="0"/>
           </a:p>
           <a:p>
             <a:pPr marL="0" indent="0">
@@ -7758,6 +7767,7 @@
               <a:rPr lang="en-US" altLang="zh-CN" dirty="0"/>
               <a:t>1. create kernel by hand, and use cv2.filter2d</a:t>
             </a:r>
+            <a:endParaRPr lang="en-US" altLang="zh-CN" dirty="0"/>
           </a:p>
           <a:p>
             <a:r>
@@ -7841,6 +7851,13 @@
               </a:rPr>
               <a:t>Set the value as the weighted averaging using gaussian.</a:t>
             </a:r>
+            <a:endParaRPr lang="en-US" altLang="zh-CN" i="0" dirty="0">
+              <a:solidFill>
+                <a:srgbClr val="000000"/>
+              </a:solidFill>
+              <a:effectLst/>
+              <a:latin typeface="Helvetica" panose="020B0604020202020204" pitchFamily="34" charset="0"/>
+            </a:endParaRPr>
           </a:p>
           <a:p>
             <a:r>
@@ -7870,7 +7887,7 @@
           <p:nvPr/>
         </p:nvPicPr>
         <p:blipFill>
-          <a:blip r:embed="rId2"/>
+          <a:blip r:embed="rId1"/>
           <a:stretch>
             <a:fillRect/>
           </a:stretch>
@@ -7952,12 +7969,14 @@
               <a:rPr lang="en-US" altLang="zh-CN" dirty="0"/>
               <a:t>1. create the gaussian kernel by hand, and use cv2.filter2d</a:t>
             </a:r>
+            <a:endParaRPr lang="en-US" altLang="zh-CN" dirty="0"/>
           </a:p>
           <a:p>
             <a:r>
               <a:rPr lang="en-US" altLang="zh-CN" dirty="0"/>
               <a:t>2. create gaussian kernel using cv.getGaussianKernel()., and use cv2.filter2d()</a:t>
             </a:r>
+            <a:endParaRPr lang="en-US" altLang="zh-CN" dirty="0"/>
           </a:p>
           <a:p>
             <a:r>
@@ -8063,7 +8082,7 @@
           <p:nvPr/>
         </p:nvPicPr>
         <p:blipFill>
-          <a:blip r:embed="rId2"/>
+          <a:blip r:embed="rId1"/>
           <a:stretch>
             <a:fillRect/>
           </a:stretch>
@@ -8169,6 +8188,7 @@
               <a:rPr lang="en-US" altLang="zh-CN" dirty="0"/>
               <a:t>)</a:t>
             </a:r>
+            <a:endParaRPr lang="en-US" altLang="zh-CN" dirty="0"/>
           </a:p>
           <a:p>
             <a:endParaRPr lang="zh-CN" altLang="en-US" dirty="0"/>
@@ -8177,13 +8197,7 @@
       </p:sp>
       <p:cxnSp>
         <p:nvCxnSpPr>
-          <p:cNvPr id="5" name="直接箭头连接符 4">
-            <a:extLst>
-              <a:ext uri="{FF2B5EF4-FFF2-40B4-BE49-F238E27FC236}">
-                <a16:creationId xmlns:a16="http://schemas.microsoft.com/office/drawing/2014/main" id="{3B8FAF81-90E2-496A-8714-6D13C1FC4CE5}"/>
-              </a:ext>
-            </a:extLst>
-          </p:cNvPr>
+          <p:cNvPr id="5" name="直接箭头连接符 4"/>
           <p:cNvCxnSpPr/>
           <p:nvPr/>
         </p:nvCxnSpPr>
@@ -8216,13 +8230,7 @@
       </p:cxnSp>
       <p:sp>
         <p:nvSpPr>
-          <p:cNvPr id="6" name="文本框 5">
-            <a:extLst>
-              <a:ext uri="{FF2B5EF4-FFF2-40B4-BE49-F238E27FC236}">
-                <a16:creationId xmlns:a16="http://schemas.microsoft.com/office/drawing/2014/main" id="{A0E39322-48CD-4AA3-93FD-D505C6222E63}"/>
-              </a:ext>
-            </a:extLst>
-          </p:cNvPr>
+          <p:cNvPr id="6" name="文本框 5"/>
           <p:cNvSpPr txBox="1"/>
           <p:nvPr/>
         </p:nvSpPr>
@@ -8331,6 +8339,13 @@
               </a:rPr>
               <a:t>highly effective in noise removal while keeping edges sharp. </a:t>
             </a:r>
+            <a:endParaRPr lang="en-US" altLang="zh-CN" sz="2400" b="0" i="0" dirty="0">
+              <a:solidFill>
+                <a:srgbClr val="000000"/>
+              </a:solidFill>
+              <a:effectLst/>
+              <a:latin typeface="Helvetica" panose="020B0604020202020204" pitchFamily="34" charset="0"/>
+            </a:endParaRPr>
           </a:p>
           <a:p>
             <a:r>
@@ -8386,7 +8401,7 @@
           <p:nvPr/>
         </p:nvPicPr>
         <p:blipFill>
-          <a:blip r:embed="rId2"/>
+          <a:blip r:embed="rId1"/>
           <a:stretch>
             <a:fillRect/>
           </a:stretch>
@@ -8498,13 +8513,7 @@
       </p:sp>
       <p:grpSp>
         <p:nvGrpSpPr>
-          <p:cNvPr id="15" name="组合 14">
-            <a:extLst>
-              <a:ext uri="{FF2B5EF4-FFF2-40B4-BE49-F238E27FC236}">
-                <a16:creationId xmlns:a16="http://schemas.microsoft.com/office/drawing/2014/main" id="{A0AD4E10-8B8E-4F56-9EE2-00FD3808E21D}"/>
-              </a:ext>
-            </a:extLst>
-          </p:cNvPr>
+          <p:cNvPr id="15" name="组合 14"/>
           <p:cNvGrpSpPr/>
           <p:nvPr/>
         </p:nvGrpSpPr>
@@ -8518,13 +8527,7 @@
         </p:grpSpPr>
         <p:cxnSp>
           <p:nvCxnSpPr>
-            <p:cNvPr id="5" name="直接箭头连接符 4">
-              <a:extLst>
-                <a:ext uri="{FF2B5EF4-FFF2-40B4-BE49-F238E27FC236}">
-                  <a16:creationId xmlns:a16="http://schemas.microsoft.com/office/drawing/2014/main" id="{F86C22C4-90BE-4F70-8979-F722A1AE3703}"/>
-                </a:ext>
-              </a:extLst>
-            </p:cNvPr>
+            <p:cNvPr id="5" name="直接箭头连接符 4"/>
             <p:cNvCxnSpPr/>
             <p:nvPr/>
           </p:nvCxnSpPr>
@@ -8557,13 +8560,7 @@
         </p:cxnSp>
         <p:sp>
           <p:nvSpPr>
-            <p:cNvPr id="8" name="文本框 7">
-              <a:extLst>
-                <a:ext uri="{FF2B5EF4-FFF2-40B4-BE49-F238E27FC236}">
-                  <a16:creationId xmlns:a16="http://schemas.microsoft.com/office/drawing/2014/main" id="{893E9B9F-B5F8-4CA5-8090-028566F5739C}"/>
-                </a:ext>
-              </a:extLst>
-            </p:cNvPr>
+            <p:cNvPr id="8" name="文本框 7"/>
             <p:cNvSpPr txBox="1"/>
             <p:nvPr/>
           </p:nvSpPr>
@@ -8593,13 +8590,7 @@
         </p:sp>
         <p:sp>
           <p:nvSpPr>
-            <p:cNvPr id="9" name="文本框 8">
-              <a:extLst>
-                <a:ext uri="{FF2B5EF4-FFF2-40B4-BE49-F238E27FC236}">
-                  <a16:creationId xmlns:a16="http://schemas.microsoft.com/office/drawing/2014/main" id="{D5DFCDB8-FEBB-4CC7-916A-6A0AA3B11193}"/>
-                </a:ext>
-              </a:extLst>
-            </p:cNvPr>
+            <p:cNvPr id="9" name="文本框 8"/>
             <p:cNvSpPr txBox="1"/>
             <p:nvPr/>
           </p:nvSpPr>
@@ -8637,13 +8628,7 @@
         </p:sp>
         <p:sp>
           <p:nvSpPr>
-            <p:cNvPr id="10" name="文本框 9">
-              <a:extLst>
-                <a:ext uri="{FF2B5EF4-FFF2-40B4-BE49-F238E27FC236}">
-                  <a16:creationId xmlns:a16="http://schemas.microsoft.com/office/drawing/2014/main" id="{632EFA44-DF27-486F-8243-A4C9BDFED5F1}"/>
-                </a:ext>
-              </a:extLst>
-            </p:cNvPr>
+            <p:cNvPr id="10" name="文本框 9"/>
             <p:cNvSpPr txBox="1"/>
             <p:nvPr/>
           </p:nvSpPr>
@@ -8681,13 +8666,7 @@
         </p:sp>
         <p:cxnSp>
           <p:nvCxnSpPr>
-            <p:cNvPr id="12" name="直接箭头连接符 11">
-              <a:extLst>
-                <a:ext uri="{FF2B5EF4-FFF2-40B4-BE49-F238E27FC236}">
-                  <a16:creationId xmlns:a16="http://schemas.microsoft.com/office/drawing/2014/main" id="{C4B28937-EE09-4ED3-AD66-41A99C6BD623}"/>
-                </a:ext>
-              </a:extLst>
-            </p:cNvPr>
+            <p:cNvPr id="12" name="直接箭头连接符 11"/>
             <p:cNvCxnSpPr/>
             <p:nvPr/>
           </p:nvCxnSpPr>
@@ -8720,13 +8699,7 @@
         </p:cxnSp>
         <p:cxnSp>
           <p:nvCxnSpPr>
-            <p:cNvPr id="14" name="直接箭头连接符 13">
-              <a:extLst>
-                <a:ext uri="{FF2B5EF4-FFF2-40B4-BE49-F238E27FC236}">
-                  <a16:creationId xmlns:a16="http://schemas.microsoft.com/office/drawing/2014/main" id="{04C63676-B993-480A-ACA1-3822933DCDC1}"/>
-                </a:ext>
-              </a:extLst>
-            </p:cNvPr>
+            <p:cNvPr id="14" name="直接箭头连接符 13"/>
             <p:cNvCxnSpPr/>
             <p:nvPr/>
           </p:nvCxnSpPr>
@@ -8813,6 +8786,18 @@
               </a:rPr>
               <a:t>Exercises</a:t>
             </a:r>
+            <a:endParaRPr lang="en-US" altLang="zh-CN" dirty="0">
+              <a:solidFill>
+                <a:schemeClr val="tx1"/>
+              </a:solidFill>
+              <a:effectLst>
+                <a:outerShdw blurRad="38100" dist="19050" dir="2700000" algn="tl" rotWithShape="0">
+                  <a:schemeClr val="dk1">
+                    <a:alpha val="40000"/>
+                  </a:schemeClr>
+                </a:outerShdw>
+              </a:effectLst>
+            </a:endParaRPr>
           </a:p>
         </p:txBody>
       </p:sp>
@@ -8851,36 +8836,42 @@
               <a:rPr lang="en-US" altLang="zh-CN" dirty="0"/>
               <a:t> to threshold one image.(do it by yourself.)</a:t>
             </a:r>
+            <a:endParaRPr lang="en-US" altLang="zh-CN" dirty="0"/>
           </a:p>
           <a:p>
             <a:r>
               <a:rPr lang="en-US" altLang="zh-CN" dirty="0"/>
               <a:t>Try to use cv2.threshold with different parameters , including adaptive thresholding.</a:t>
             </a:r>
+            <a:endParaRPr lang="en-US" altLang="zh-CN" dirty="0"/>
           </a:p>
           <a:p>
             <a:r>
               <a:rPr lang="en-US" altLang="zh-CN" dirty="0"/>
               <a:t>Try to use cv2.blur to smooth image (average smoothing)</a:t>
             </a:r>
+            <a:endParaRPr lang="en-US" altLang="zh-CN" dirty="0"/>
           </a:p>
           <a:p>
             <a:r>
               <a:rPr lang="en-US" altLang="zh-CN" dirty="0"/>
               <a:t>Try to use cv2.gaussianBlur to smooth image (gaussian smoothing)</a:t>
             </a:r>
+            <a:endParaRPr lang="en-US" altLang="zh-CN" dirty="0"/>
           </a:p>
           <a:p>
             <a:r>
               <a:rPr lang="en-US" altLang="zh-CN" dirty="0"/>
               <a:t>Try to use cv2.medianBlur to smooth image (media smoothing)</a:t>
             </a:r>
+            <a:endParaRPr lang="en-US" altLang="zh-CN" dirty="0"/>
           </a:p>
           <a:p>
             <a:r>
               <a:rPr lang="en-US" altLang="zh-CN" dirty="0"/>
               <a:t>Try to use cv2.bilateralBlur to smooth image (bilateral smoothing)</a:t>
             </a:r>
+            <a:endParaRPr lang="en-US" altLang="zh-CN" dirty="0"/>
           </a:p>
           <a:p>
             <a:endParaRPr lang="en-US" altLang="zh-CN" dirty="0"/>
@@ -8954,6 +8945,7 @@
               <a:rPr lang="en-US" altLang="zh-CN" dirty="0"/>
               <a:t>The image can be considered as the combination of the all pixels.</a:t>
             </a:r>
+            <a:endParaRPr lang="en-US" altLang="zh-CN" dirty="0"/>
           </a:p>
           <a:p>
             <a:endParaRPr lang="zh-CN" altLang="en-US" dirty="0"/>
@@ -9009,12 +9001,12 @@
           <a:graphicData uri="http://schemas.openxmlformats.org/presentationml/2006/ole">
             <mc:AlternateContent xmlns:mc="http://schemas.openxmlformats.org/markup-compatibility/2006">
               <mc:Choice xmlns:v="urn:schemas-microsoft-com:vml" Requires="v">
-                <p:oleObj spid="_x0000_s1074" r:id="rId3" imgW="2438400" imgH="1397000" progId="Equation.3">
+                <p:oleObj spid="_x0000_s1074" name="" r:id="rId1" imgW="2438400" imgH="1397000" progId="Equation.3">
                   <p:embed/>
                 </p:oleObj>
               </mc:Choice>
               <mc:Fallback>
-                <p:oleObj r:id="rId3" imgW="2438400" imgH="1397000" progId="Equation.3">
+                <p:oleObj name="" r:id="rId1" imgW="2438400" imgH="1397000" progId="Equation.3">
                   <p:embed/>
                   <p:pic>
                     <p:nvPicPr>
@@ -9025,7 +9017,7 @@
                       <p:nvPr/>
                     </p:nvPicPr>
                     <p:blipFill>
-                      <a:blip r:embed="rId4">
+                      <a:blip r:embed="rId2">
                         <a:extLst>
                           <a:ext uri="{28A0092B-C50C-407E-A947-70E740481C1C}">
                             <a14:useLocalDpi xmlns:a14="http://schemas.microsoft.com/office/drawing/2010/main" val="0"/>
@@ -9168,7 +9160,7 @@
           <p:nvPr/>
         </p:nvPicPr>
         <p:blipFill>
-          <a:blip r:embed="rId2"/>
+          <a:blip r:embed="rId1"/>
           <a:stretch>
             <a:fillRect/>
           </a:stretch>
@@ -9239,11 +9231,6 @@
           </p:cNvGraphicFramePr>
           <p:nvPr>
             <p:ph idx="1"/>
-            <p:extLst>
-              <p:ext uri="{D42A27DB-BD31-4B8C-83A1-F6EECF244321}">
-                <p14:modId xmlns:p14="http://schemas.microsoft.com/office/powerpoint/2010/main" val="2085355183"/>
-              </p:ext>
-            </p:extLst>
           </p:nvPr>
         </p:nvGraphicFramePr>
         <p:xfrm>
@@ -9252,7 +9239,7 @@
         </p:xfrm>
         <a:graphic>
           <a:graphicData uri="http://schemas.openxmlformats.org/drawingml/2006/diagram">
-            <dgm:relIds xmlns:dgm="http://schemas.openxmlformats.org/drawingml/2006/diagram" xmlns:r="http://schemas.openxmlformats.org/officeDocument/2006/relationships" r:dm="rId2" r:lo="rId3" r:qs="rId4" r:cs="rId5"/>
+            <dgm:relIds xmlns:dgm="http://schemas.openxmlformats.org/drawingml/2006/diagram" xmlns:r="http://schemas.openxmlformats.org/officeDocument/2006/relationships" r:dm="rId1" r:lo="rId2" r:qs="rId3" r:cs="rId4"/>
           </a:graphicData>
         </a:graphic>
       </p:graphicFrame>
@@ -9347,12 +9334,65 @@
               <a:rPr lang="en-US" altLang="zh-CN" dirty="0"/>
               <a:t>, type)</a:t>
             </a:r>
+            <a:endParaRPr lang="en-US" altLang="zh-CN" dirty="0"/>
           </a:p>
           <a:p>
             <a:r>
               <a:rPr lang="en-US" altLang="zh-CN" dirty="0"/>
               <a:t>TYPE:</a:t>
             </a:r>
+            <a:endParaRPr lang="en-US" altLang="zh-CN" dirty="0"/>
+          </a:p>
+          <a:p>
+            <a:pPr algn="l">
+              <a:buFont typeface="Arial" panose="020B0604020202020204" pitchFamily="34" charset="0"/>
+              <a:buChar char="•"/>
+            </a:pPr>
+            <a:r>
+              <a:rPr lang="en-US" altLang="zh-CN" b="1" i="0" u="none" strike="noStrike" dirty="0" err="1">
+                <a:solidFill>
+                  <a:srgbClr val="4665A2"/>
+                </a:solidFill>
+                <a:effectLst/>
+                <a:latin typeface="Helvetica" panose="020B0604020202020204" pitchFamily="34" charset="0"/>
+                <a:hlinkClick r:id="rId1" tooltip=" "/>
+              </a:rPr>
+              <a:t>cv.THRESH_BINARY</a:t>
+            </a:r>
+            <a:r>
+              <a:rPr lang="en-US" altLang="zh-CN" b="1" dirty="0">
+                <a:solidFill>
+                  <a:srgbClr val="4665A2"/>
+                </a:solidFill>
+                <a:latin typeface="Helvetica" panose="020B0604020202020204" pitchFamily="34" charset="0"/>
+              </a:rPr>
+              <a:t> (two values in the results, 0 or </a:t>
+            </a:r>
+            <a:r>
+              <a:rPr lang="en-US" altLang="zh-CN" b="1" dirty="0" err="1">
+                <a:solidFill>
+                  <a:srgbClr val="4665A2"/>
+                </a:solidFill>
+                <a:latin typeface="Helvetica" panose="020B0604020202020204" pitchFamily="34" charset="0"/>
+              </a:rPr>
+              <a:t>maxvalue</a:t>
+            </a:r>
+            <a:r>
+              <a:rPr lang="en-US" altLang="zh-CN" b="1" dirty="0">
+                <a:solidFill>
+                  <a:srgbClr val="4665A2"/>
+                </a:solidFill>
+                <a:latin typeface="Helvetica" panose="020B0604020202020204" pitchFamily="34" charset="0"/>
+              </a:rPr>
+              <a:t>)</a:t>
+            </a:r>
+            <a:endParaRPr lang="en-US" altLang="zh-CN" b="0" i="0" dirty="0">
+              <a:solidFill>
+                <a:srgbClr val="000000"/>
+              </a:solidFill>
+              <a:effectLst/>
+              <a:latin typeface="Helvetica" panose="020B0604020202020204" pitchFamily="34" charset="0"/>
+            </a:endParaRPr>
           </a:p>
           <a:p>
             <a:pPr algn="l">
@@ -9368,7 +9408,17 @@
                 <a:latin typeface="Helvetica" panose="020B0604020202020204" pitchFamily="34" charset="0"/>
                 <a:hlinkClick r:id="rId2" tooltip=" "/>
               </a:rPr>
-              <a:t>cv.THRESH_BINARY</a:t>
+              <a:t>cv.THRESH_BINARY_INV</a:t>
+            </a:r>
+            <a:r>
+              <a:rPr lang="en-US" altLang="zh-CN" b="1" i="0" u="none" strike="noStrike" dirty="0">
+                <a:solidFill>
+                  <a:srgbClr val="4665A2"/>
+                </a:solidFill>
+                <a:effectLst/>
+                <a:latin typeface="Helvetica" panose="020B0604020202020204" pitchFamily="34" charset="0"/>
+              </a:rPr>
+              <a:t> </a:t>
             </a:r>
             <a:r>
               <a:rPr lang="en-US" altLang="zh-CN" b="1" dirty="0">
@@ -9377,7 +9427,7 @@
                 </a:solidFill>
                 <a:latin typeface="Helvetica" panose="020B0604020202020204" pitchFamily="34" charset="0"/>
               </a:rPr>
-              <a:t> (two values in the results, 0 or </a:t>
+              <a:t>(two values in the results,  </a:t>
             </a:r>
             <a:r>
               <a:rPr lang="en-US" altLang="zh-CN" b="1" dirty="0" err="1">
@@ -9395,7 +9445,7 @@
                 </a:solidFill>
                 <a:latin typeface="Helvetica" panose="020B0604020202020204" pitchFamily="34" charset="0"/>
               </a:rPr>
-              <a:t>)</a:t>
+              <a:t> or 0)</a:t>
             </a:r>
             <a:endParaRPr lang="en-US" altLang="zh-CN" b="0" i="0" dirty="0">
               <a:solidFill>
@@ -9419,17 +9469,7 @@
                 <a:latin typeface="Helvetica" panose="020B0604020202020204" pitchFamily="34" charset="0"/>
                 <a:hlinkClick r:id="rId3" tooltip=" "/>
               </a:rPr>
-              <a:t>cv.THRESH_BINARY_INV</a:t>
-            </a:r>
-            <a:r>
-              <a:rPr lang="en-US" altLang="zh-CN" b="1" i="0" u="none" strike="noStrike" dirty="0">
-                <a:solidFill>
-                  <a:srgbClr val="4665A2"/>
-                </a:solidFill>
-                <a:effectLst/>
-                <a:latin typeface="Helvetica" panose="020B0604020202020204" pitchFamily="34" charset="0"/>
-              </a:rPr>
-              <a:t> </a:t>
+              <a:t>cv.THRESH_TRUNC</a:t>
             </a:r>
             <a:r>
               <a:rPr lang="en-US" altLang="zh-CN" b="1" dirty="0">
@@ -9438,7 +9478,25 @@
                 </a:solidFill>
                 <a:latin typeface="Helvetica" panose="020B0604020202020204" pitchFamily="34" charset="0"/>
               </a:rPr>
-              <a:t>(two values in the results,  </a:t>
+              <a:t> (larger than </a:t>
+            </a:r>
+            <a:r>
+              <a:rPr lang="en-US" altLang="zh-CN" b="1" dirty="0" err="1">
+                <a:solidFill>
+                  <a:srgbClr val="4665A2"/>
+                </a:solidFill>
+                <a:latin typeface="Helvetica" panose="020B0604020202020204" pitchFamily="34" charset="0"/>
+              </a:rPr>
+              <a:t>thr</a:t>
+            </a:r>
+            <a:r>
+              <a:rPr lang="en-US" altLang="zh-CN" b="1" dirty="0">
+                <a:solidFill>
+                  <a:srgbClr val="4665A2"/>
+                </a:solidFill>
+                <a:latin typeface="Helvetica" panose="020B0604020202020204" pitchFamily="34" charset="0"/>
+              </a:rPr>
+              <a:t> set to the </a:t>
             </a:r>
             <a:r>
               <a:rPr lang="en-US" altLang="zh-CN" b="1" dirty="0" err="1">
@@ -9456,7 +9514,7 @@
                 </a:solidFill>
                 <a:latin typeface="Helvetica" panose="020B0604020202020204" pitchFamily="34" charset="0"/>
               </a:rPr>
-              <a:t> or 0)</a:t>
+              <a:t>)</a:t>
             </a:r>
             <a:endParaRPr lang="en-US" altLang="zh-CN" b="0" i="0" dirty="0">
               <a:solidFill>
@@ -9480,7 +9538,27 @@
                 <a:latin typeface="Helvetica" panose="020B0604020202020204" pitchFamily="34" charset="0"/>
                 <a:hlinkClick r:id="rId4" tooltip=" "/>
               </a:rPr>
-              <a:t>cv.THRESH_TRUNC</a:t>
+              <a:t>cv.THRESH_TOZERO</a:t>
+            </a:r>
+            <a:r>
+              <a:rPr lang="en-US" altLang="zh-CN" b="1" i="0" u="none" strike="noStrike" dirty="0">
+                <a:solidFill>
+                  <a:srgbClr val="4665A2"/>
+                </a:solidFill>
+                <a:effectLst/>
+                <a:latin typeface="Helvetica" panose="020B0604020202020204" pitchFamily="34" charset="0"/>
+              </a:rPr>
+              <a:t> (smaller than </a:t>
+            </a:r>
+            <a:r>
+              <a:rPr lang="en-US" altLang="zh-CN" b="1" i="0" u="none" strike="noStrike" dirty="0" err="1">
+                <a:solidFill>
+                  <a:srgbClr val="4665A2"/>
+                </a:solidFill>
+                <a:effectLst/>
+                <a:latin typeface="Helvetica" panose="020B0604020202020204" pitchFamily="34" charset="0"/>
+              </a:rPr>
+              <a:t>thr</a:t>
             </a:r>
             <a:r>
               <a:rPr lang="en-US" altLang="zh-CN" b="1" dirty="0">
@@ -9489,40 +9567,14 @@
                 </a:solidFill>
                 <a:latin typeface="Helvetica" panose="020B0604020202020204" pitchFamily="34" charset="0"/>
               </a:rPr>
-              <a:t> (larger than </a:t>
-            </a:r>
-            <a:r>
-              <a:rPr lang="en-US" altLang="zh-CN" b="1" dirty="0" err="1">
+              <a:t> , set to 0</a:t>
+            </a:r>
+            <a:r>
+              <a:rPr lang="en-US" altLang="zh-CN" b="1" i="0" u="none" strike="noStrike" dirty="0">
                 <a:solidFill>
                   <a:srgbClr val="4665A2"/>
                 </a:solidFill>
-                <a:latin typeface="Helvetica" panose="020B0604020202020204" pitchFamily="34" charset="0"/>
-              </a:rPr>
-              <a:t>thr</a:t>
-            </a:r>
-            <a:r>
-              <a:rPr lang="en-US" altLang="zh-CN" b="1" dirty="0">
-                <a:solidFill>
-                  <a:srgbClr val="4665A2"/>
-                </a:solidFill>
-                <a:latin typeface="Helvetica" panose="020B0604020202020204" pitchFamily="34" charset="0"/>
-              </a:rPr>
-              <a:t> set to the </a:t>
-            </a:r>
-            <a:r>
-              <a:rPr lang="en-US" altLang="zh-CN" b="1" dirty="0" err="1">
-                <a:solidFill>
-                  <a:srgbClr val="4665A2"/>
-                </a:solidFill>
-                <a:latin typeface="Helvetica" panose="020B0604020202020204" pitchFamily="34" charset="0"/>
-              </a:rPr>
-              <a:t>maxvalue</a:t>
-            </a:r>
-            <a:r>
-              <a:rPr lang="en-US" altLang="zh-CN" b="1" dirty="0">
-                <a:solidFill>
-                  <a:srgbClr val="4665A2"/>
-                </a:solidFill>
+                <a:effectLst/>
                 <a:latin typeface="Helvetica" panose="020B0604020202020204" pitchFamily="34" charset="0"/>
               </a:rPr>
               <a:t>)</a:t>
@@ -9549,7 +9601,7 @@
                 <a:latin typeface="Helvetica" panose="020B0604020202020204" pitchFamily="34" charset="0"/>
                 <a:hlinkClick r:id="rId5" tooltip=" "/>
               </a:rPr>
-              <a:t>cv.THRESH_TOZERO</a:t>
+              <a:t>cv.THRESH_TOZERO_INV</a:t>
             </a:r>
             <a:r>
               <a:rPr lang="en-US" altLang="zh-CN" b="1" i="0" u="none" strike="noStrike" dirty="0">
@@ -9559,7 +9611,7 @@
                 <a:effectLst/>
                 <a:latin typeface="Helvetica" panose="020B0604020202020204" pitchFamily="34" charset="0"/>
               </a:rPr>
-              <a:t> (smaller than </a:t>
+              <a:t> (larger than </a:t>
             </a:r>
             <a:r>
               <a:rPr lang="en-US" altLang="zh-CN" b="1" i="0" u="none" strike="noStrike" dirty="0" err="1">
@@ -9572,13 +9624,24 @@
               <a:t>thr</a:t>
             </a:r>
             <a:r>
-              <a:rPr lang="en-US" altLang="zh-CN" b="1" dirty="0">
+              <a:rPr lang="en-US" altLang="zh-CN" b="1" i="0" u="none" strike="noStrike" dirty="0">
                 <a:solidFill>
                   <a:srgbClr val="4665A2"/>
                 </a:solidFill>
+                <a:effectLst/>
                 <a:latin typeface="Helvetica" panose="020B0604020202020204" pitchFamily="34" charset="0"/>
               </a:rPr>
-              <a:t> , set to 0</a:t>
+              <a:t>, set </a:t>
+            </a:r>
+            <a:r>
+              <a:rPr lang="en-US" altLang="zh-CN" b="1" i="0" u="none" strike="noStrike" dirty="0" err="1">
+                <a:solidFill>
+                  <a:srgbClr val="4665A2"/>
+                </a:solidFill>
+                <a:effectLst/>
+                <a:latin typeface="Helvetica" panose="020B0604020202020204" pitchFamily="34" charset="0"/>
+              </a:rPr>
+              <a:t>maxvalue</a:t>
             </a:r>
             <a:r>
               <a:rPr lang="en-US" altLang="zh-CN" b="1" i="0" u="none" strike="noStrike" dirty="0">
@@ -9599,80 +9662,6 @@
             </a:endParaRPr>
           </a:p>
           <a:p>
-            <a:pPr algn="l">
-              <a:buFont typeface="Arial" panose="020B0604020202020204" pitchFamily="34" charset="0"/>
-              <a:buChar char="•"/>
-            </a:pPr>
-            <a:r>
-              <a:rPr lang="en-US" altLang="zh-CN" b="1" i="0" u="none" strike="noStrike" dirty="0" err="1">
-                <a:solidFill>
-                  <a:srgbClr val="4665A2"/>
-                </a:solidFill>
-                <a:effectLst/>
-                <a:latin typeface="Helvetica" panose="020B0604020202020204" pitchFamily="34" charset="0"/>
-                <a:hlinkClick r:id="rId6" tooltip=" "/>
-              </a:rPr>
-              <a:t>cv.THRESH_TOZERO_INV</a:t>
-            </a:r>
-            <a:r>
-              <a:rPr lang="en-US" altLang="zh-CN" b="1" i="0" u="none" strike="noStrike" dirty="0">
-                <a:solidFill>
-                  <a:srgbClr val="4665A2"/>
-                </a:solidFill>
-                <a:effectLst/>
-                <a:latin typeface="Helvetica" panose="020B0604020202020204" pitchFamily="34" charset="0"/>
-              </a:rPr>
-              <a:t> (larger than </a:t>
-            </a:r>
-            <a:r>
-              <a:rPr lang="en-US" altLang="zh-CN" b="1" i="0" u="none" strike="noStrike" dirty="0" err="1">
-                <a:solidFill>
-                  <a:srgbClr val="4665A2"/>
-                </a:solidFill>
-                <a:effectLst/>
-                <a:latin typeface="Helvetica" panose="020B0604020202020204" pitchFamily="34" charset="0"/>
-              </a:rPr>
-              <a:t>thr</a:t>
-            </a:r>
-            <a:r>
-              <a:rPr lang="en-US" altLang="zh-CN" b="1" i="0" u="none" strike="noStrike" dirty="0">
-                <a:solidFill>
-                  <a:srgbClr val="4665A2"/>
-                </a:solidFill>
-                <a:effectLst/>
-                <a:latin typeface="Helvetica" panose="020B0604020202020204" pitchFamily="34" charset="0"/>
-              </a:rPr>
-              <a:t>, set </a:t>
-            </a:r>
-            <a:r>
-              <a:rPr lang="en-US" altLang="zh-CN" b="1" i="0" u="none" strike="noStrike" dirty="0" err="1">
-                <a:solidFill>
-                  <a:srgbClr val="4665A2"/>
-                </a:solidFill>
-                <a:effectLst/>
-                <a:latin typeface="Helvetica" panose="020B0604020202020204" pitchFamily="34" charset="0"/>
-              </a:rPr>
-              <a:t>maxvalue</a:t>
-            </a:r>
-            <a:r>
-              <a:rPr lang="en-US" altLang="zh-CN" b="1" i="0" u="none" strike="noStrike" dirty="0">
-                <a:solidFill>
-                  <a:srgbClr val="4665A2"/>
-                </a:solidFill>
-                <a:effectLst/>
-                <a:latin typeface="Helvetica" panose="020B0604020202020204" pitchFamily="34" charset="0"/>
-              </a:rPr>
-              <a:t>)</a:t>
-            </a:r>
-            <a:endParaRPr lang="en-US" altLang="zh-CN" b="0" i="0" dirty="0">
-              <a:solidFill>
-                <a:srgbClr val="000000"/>
-              </a:solidFill>
-              <a:effectLst/>
-              <a:latin typeface="Helvetica" panose="020B0604020202020204" pitchFamily="34" charset="0"/>
-            </a:endParaRPr>
-          </a:p>
-          <a:p>
             <a:endParaRPr lang="en-US" altLang="zh-CN" dirty="0"/>
           </a:p>
           <a:p>
@@ -9682,13 +9671,7 @@
       </p:sp>
       <p:cxnSp>
         <p:nvCxnSpPr>
-          <p:cNvPr id="5" name="直接箭头连接符 4">
-            <a:extLst>
-              <a:ext uri="{FF2B5EF4-FFF2-40B4-BE49-F238E27FC236}">
-                <a16:creationId xmlns:a16="http://schemas.microsoft.com/office/drawing/2014/main" id="{551EE316-6B91-4186-8AC6-84BBF67EC311}"/>
-              </a:ext>
-            </a:extLst>
-          </p:cNvPr>
+          <p:cNvPr id="5" name="直接箭头连接符 4"/>
           <p:cNvCxnSpPr/>
           <p:nvPr/>
         </p:nvCxnSpPr>
@@ -9721,13 +9704,7 @@
       </p:cxnSp>
       <p:sp>
         <p:nvSpPr>
-          <p:cNvPr id="6" name="文本框 5">
-            <a:extLst>
-              <a:ext uri="{FF2B5EF4-FFF2-40B4-BE49-F238E27FC236}">
-                <a16:creationId xmlns:a16="http://schemas.microsoft.com/office/drawing/2014/main" id="{04A18EEB-9C58-421B-B721-EB873BC72202}"/>
-              </a:ext>
-            </a:extLst>
-          </p:cNvPr>
+          <p:cNvPr id="6" name="文本框 5"/>
           <p:cNvSpPr txBox="1"/>
           <p:nvPr/>
         </p:nvSpPr>
@@ -9757,13 +9734,7 @@
       </p:sp>
       <p:cxnSp>
         <p:nvCxnSpPr>
-          <p:cNvPr id="8" name="直接箭头连接符 7">
-            <a:extLst>
-              <a:ext uri="{FF2B5EF4-FFF2-40B4-BE49-F238E27FC236}">
-                <a16:creationId xmlns:a16="http://schemas.microsoft.com/office/drawing/2014/main" id="{B5BBF28E-5BE4-4110-8187-9D931CD01008}"/>
-              </a:ext>
-            </a:extLst>
-          </p:cNvPr>
+          <p:cNvPr id="8" name="直接箭头连接符 7"/>
           <p:cNvCxnSpPr/>
           <p:nvPr/>
         </p:nvCxnSpPr>
@@ -9796,13 +9767,7 @@
       </p:cxnSp>
       <p:sp>
         <p:nvSpPr>
-          <p:cNvPr id="10" name="文本框 9">
-            <a:extLst>
-              <a:ext uri="{FF2B5EF4-FFF2-40B4-BE49-F238E27FC236}">
-                <a16:creationId xmlns:a16="http://schemas.microsoft.com/office/drawing/2014/main" id="{82E94FDC-C04B-490F-AC28-B283E0687416}"/>
-              </a:ext>
-            </a:extLst>
-          </p:cNvPr>
+          <p:cNvPr id="10" name="文本框 9"/>
           <p:cNvSpPr txBox="1"/>
           <p:nvPr/>
         </p:nvSpPr>
@@ -9864,7 +9829,7 @@
           <p:nvPr/>
         </p:nvPicPr>
         <p:blipFill rotWithShape="1">
-          <a:blip r:embed="rId2"/>
+          <a:blip r:embed="rId1"/>
           <a:srcRect l="2145" t="11056" r="54481" b="4292"/>
           <a:stretch>
             <a:fillRect/>
@@ -9932,6 +9897,13 @@
               </a:rPr>
               <a:t>we used one global value as a threshold for all the pixels in the image.</a:t>
             </a:r>
+            <a:endParaRPr lang="en-US" altLang="zh-CN" b="0" i="0" dirty="0">
+              <a:solidFill>
+                <a:srgbClr val="000000"/>
+              </a:solidFill>
+              <a:effectLst/>
+              <a:latin typeface="Helvetica" panose="020B0604020202020204" pitchFamily="34" charset="0"/>
+            </a:endParaRPr>
           </a:p>
           <a:p>
             <a:endParaRPr lang="en-US" altLang="zh-CN" dirty="0">
@@ -10057,7 +10029,7 @@
           <p:nvPr/>
         </p:nvPicPr>
         <p:blipFill>
-          <a:blip r:embed="rId2"/>
+          <a:blip r:embed="rId1"/>
           <a:stretch>
             <a:fillRect/>
           </a:stretch>
@@ -10148,7 +10120,7 @@
           <p:nvPr/>
         </p:nvPicPr>
         <p:blipFill>
-          <a:blip r:embed="rId2"/>
+          <a:blip r:embed="rId1"/>
           <a:stretch>
             <a:fillRect/>
           </a:stretch>
@@ -10422,8 +10394,6 @@
       </a:bgFillStyleLst>
     </a:fmtScheme>
   </a:themeElements>
-  <a:objectDefaults/>
-  <a:extraClrSchemeLst/>
   <a:extLst>
     <a:ext uri="{05A4C25C-085E-4340-85A3-A5531E510DB2}">
       <thm15:themeFamily xmlns:thm15="http://schemas.microsoft.com/office/thememl/2012/main" name="Office Theme" id="{62F939B6-93AF-4DB8-9C6B-D6C7DFDC589F}" vid="{4A3C46E8-61CC-4603-A589-7422A47A8E4A}"/>
